--- a/LeQuachTien_B2014886_CT550.pptx
+++ b/LeQuachTien_B2014886_CT550.pptx
@@ -18,8 +18,8 @@
     <p:sldId id="280" r:id="rId12"/>
     <p:sldId id="283" r:id="rId13"/>
     <p:sldId id="284" r:id="rId14"/>
-    <p:sldId id="285" r:id="rId15"/>
-    <p:sldId id="286" r:id="rId16"/>
+    <p:sldId id="286" r:id="rId15"/>
+    <p:sldId id="285" r:id="rId16"/>
     <p:sldId id="261" r:id="rId17"/>
   </p:sldIdLst>
   <p:sldSz cx="12192000" cy="6858000"/>
@@ -1085,7 +1085,7 @@
             <a:fld id="{D86B3AB3-BDCC-41BF-8781-963E853753C3}" type="datetime1">
               <a:rPr lang="en-US" smtClean="0"/>
               <a:pPr/>
-              <a:t>12/2/2024</a:t>
+              <a:t>12/5/2024</a:t>
             </a:fld>
             <a:endParaRPr lang="en-US"/>
           </a:p>
@@ -2497,7 +2497,7 @@
             <a:fld id="{D86B3AB3-BDCC-41BF-8781-963E853753C3}" type="datetime1">
               <a:rPr lang="en-US" smtClean="0"/>
               <a:pPr/>
-              <a:t>12/2/2024</a:t>
+              <a:t>12/5/2024</a:t>
             </a:fld>
             <a:endParaRPr lang="en-US"/>
           </a:p>
@@ -3739,7 +3739,7 @@
             <a:fld id="{D86B3AB3-BDCC-41BF-8781-963E853753C3}" type="datetime1">
               <a:rPr lang="en-US" smtClean="0"/>
               <a:pPr/>
-              <a:t>12/2/2024</a:t>
+              <a:t>12/5/2024</a:t>
             </a:fld>
             <a:endParaRPr lang="en-US"/>
           </a:p>
@@ -4973,7 +4973,7 @@
             <a:fld id="{D86B3AB3-BDCC-41BF-8781-963E853753C3}" type="datetime1">
               <a:rPr lang="en-US" smtClean="0"/>
               <a:pPr/>
-              <a:t>12/2/2024</a:t>
+              <a:t>12/5/2024</a:t>
             </a:fld>
             <a:endParaRPr lang="en-US"/>
           </a:p>
@@ -6095,7 +6095,7 @@
             <a:fld id="{D86B3AB3-BDCC-41BF-8781-963E853753C3}" type="datetime1">
               <a:rPr lang="en-US" smtClean="0"/>
               <a:pPr/>
-              <a:t>12/2/2024</a:t>
+              <a:t>12/5/2024</a:t>
             </a:fld>
             <a:endParaRPr lang="en-US"/>
           </a:p>
@@ -7217,7 +7217,7 @@
             <a:fld id="{D86B3AB3-BDCC-41BF-8781-963E853753C3}" type="datetime1">
               <a:rPr lang="en-US" smtClean="0"/>
               <a:pPr/>
-              <a:t>12/2/2024</a:t>
+              <a:t>12/5/2024</a:t>
             </a:fld>
             <a:endParaRPr lang="en-US"/>
           </a:p>
@@ -8357,7 +8357,7 @@
             <a:fld id="{D86B3AB3-BDCC-41BF-8781-963E853753C3}" type="datetime1">
               <a:rPr lang="en-US" smtClean="0"/>
               <a:pPr/>
-              <a:t>12/2/2024</a:t>
+              <a:t>12/5/2024</a:t>
             </a:fld>
             <a:endParaRPr lang="en-US"/>
           </a:p>
@@ -9529,7 +9529,7 @@
             <a:fld id="{D86B3AB3-BDCC-41BF-8781-963E853753C3}" type="datetime1">
               <a:rPr lang="en-US" smtClean="0"/>
               <a:pPr/>
-              <a:t>12/2/2024</a:t>
+              <a:t>12/5/2024</a:t>
             </a:fld>
             <a:endParaRPr lang="en-US"/>
           </a:p>
@@ -10573,7 +10573,7 @@
             <a:fld id="{D86B3AB3-BDCC-41BF-8781-963E853753C3}" type="datetime1">
               <a:rPr lang="en-US" smtClean="0"/>
               <a:pPr/>
-              <a:t>12/2/2024</a:t>
+              <a:t>12/5/2024</a:t>
             </a:fld>
             <a:endParaRPr lang="en-US"/>
           </a:p>
@@ -12106,7 +12106,7 @@
             <a:fld id="{D86B3AB3-BDCC-41BF-8781-963E853753C3}" type="datetime1">
               <a:rPr lang="en-US" smtClean="0"/>
               <a:pPr/>
-              <a:t>12/2/2024</a:t>
+              <a:t>12/5/2024</a:t>
             </a:fld>
             <a:endParaRPr lang="en-US"/>
           </a:p>
@@ -13388,7 +13388,7 @@
             <a:fld id="{D86B3AB3-BDCC-41BF-8781-963E853753C3}" type="datetime1">
               <a:rPr lang="en-US" smtClean="0"/>
               <a:pPr/>
-              <a:t>12/2/2024</a:t>
+              <a:t>12/5/2024</a:t>
             </a:fld>
             <a:endParaRPr lang="en-US"/>
           </a:p>
@@ -14212,7 +14212,7 @@
             <a:fld id="{D86B3AB3-BDCC-41BF-8781-963E853753C3}" type="datetime1">
               <a:rPr lang="en-US" smtClean="0"/>
               <a:pPr/>
-              <a:t>12/2/2024</a:t>
+              <a:t>12/5/2024</a:t>
             </a:fld>
             <a:endParaRPr lang="en-US"/>
           </a:p>
@@ -15530,7 +15530,7 @@
             <a:fld id="{D86B3AB3-BDCC-41BF-8781-963E853753C3}" type="datetime1">
               <a:rPr lang="en-US" smtClean="0"/>
               <a:pPr/>
-              <a:t>12/2/2024</a:t>
+              <a:t>12/5/2024</a:t>
             </a:fld>
             <a:endParaRPr lang="en-US"/>
           </a:p>
@@ -16482,7 +16482,7 @@
             <a:fld id="{D86B3AB3-BDCC-41BF-8781-963E853753C3}" type="datetime1">
               <a:rPr lang="en-US" smtClean="0"/>
               <a:pPr/>
-              <a:t>12/2/2024</a:t>
+              <a:t>12/5/2024</a:t>
             </a:fld>
             <a:endParaRPr lang="en-US"/>
           </a:p>
@@ -17322,7 +17322,7 @@
             <a:fld id="{D86B3AB3-BDCC-41BF-8781-963E853753C3}" type="datetime1">
               <a:rPr lang="en-US" smtClean="0"/>
               <a:pPr/>
-              <a:t>12/2/2024</a:t>
+              <a:t>12/5/2024</a:t>
             </a:fld>
             <a:endParaRPr lang="en-US"/>
           </a:p>
@@ -18182,7 +18182,7 @@
             <a:fld id="{D86B3AB3-BDCC-41BF-8781-963E853753C3}" type="datetime1">
               <a:rPr lang="en-US" smtClean="0"/>
               <a:pPr/>
-              <a:t>12/2/2024</a:t>
+              <a:t>12/5/2024</a:t>
             </a:fld>
             <a:endParaRPr lang="en-US"/>
           </a:p>
@@ -18606,7 +18606,7 @@
             <a:fld id="{D86B3AB3-BDCC-41BF-8781-963E853753C3}" type="datetime1">
               <a:rPr lang="en-US" smtClean="0"/>
               <a:pPr/>
-              <a:t>12/2/2024</a:t>
+              <a:t>12/5/2024</a:t>
             </a:fld>
             <a:endParaRPr lang="en-US"/>
           </a:p>
@@ -19916,7 +19916,7 @@
             <a:fld id="{D86B3AB3-BDCC-41BF-8781-963E853753C3}" type="datetime1">
               <a:rPr lang="en-US" smtClean="0"/>
               <a:pPr/>
-              <a:t>12/2/2024</a:t>
+              <a:t>12/5/2024</a:t>
             </a:fld>
             <a:endParaRPr lang="en-US"/>
           </a:p>
@@ -23027,7 +23027,7 @@
             <a:fld id="{D86B3AB3-BDCC-41BF-8781-963E853753C3}" type="datetime1">
               <a:rPr lang="en-US" smtClean="0"/>
               <a:pPr/>
-              <a:t>12/2/2024</a:t>
+              <a:t>12/5/2024</a:t>
             </a:fld>
             <a:endParaRPr lang="en-US"/>
           </a:p>
@@ -26296,7 +26296,7 @@
             <a:fld id="{D86B3AB3-BDCC-41BF-8781-963E853753C3}" type="datetime1">
               <a:rPr lang="en-US" smtClean="0"/>
               <a:pPr/>
-              <a:t>12/2/2024</a:t>
+              <a:t>12/5/2024</a:t>
             </a:fld>
             <a:endParaRPr lang="en-US"/>
           </a:p>
@@ -27451,7 +27451,7 @@
             <a:fld id="{D86B3AB3-BDCC-41BF-8781-963E853753C3}" type="datetime1">
               <a:rPr lang="en-US" smtClean="0"/>
               <a:pPr/>
-              <a:t>12/2/2024</a:t>
+              <a:t>12/5/2024</a:t>
             </a:fld>
             <a:endParaRPr lang="en-US"/>
           </a:p>
@@ -28580,7 +28580,7 @@
             <a:fld id="{D86B3AB3-BDCC-41BF-8781-963E853753C3}" type="datetime1">
               <a:rPr lang="en-US" smtClean="0"/>
               <a:pPr/>
-              <a:t>12/2/2024</a:t>
+              <a:t>12/5/2024</a:t>
             </a:fld>
             <a:endParaRPr lang="en-US"/>
           </a:p>
@@ -32036,7 +32036,7 @@
             <a:fld id="{D86B3AB3-BDCC-41BF-8781-963E853753C3}" type="datetime1">
               <a:rPr lang="en-US" smtClean="0"/>
               <a:pPr/>
-              <a:t>12/2/2024</a:t>
+              <a:t>12/5/2024</a:t>
             </a:fld>
             <a:endParaRPr lang="en-US"/>
           </a:p>
@@ -33359,7 +33359,7 @@
             <a:fld id="{D86B3AB3-BDCC-41BF-8781-963E853753C3}" type="datetime1">
               <a:rPr lang="en-US" smtClean="0"/>
               <a:pPr/>
-              <a:t>12/2/2024</a:t>
+              <a:t>12/5/2024</a:t>
             </a:fld>
             <a:endParaRPr lang="en-US"/>
           </a:p>
@@ -34575,7 +34575,7 @@
             <a:fld id="{D86B3AB3-BDCC-41BF-8781-963E853753C3}" type="datetime1">
               <a:rPr lang="en-US" smtClean="0"/>
               <a:pPr/>
-              <a:t>12/2/2024</a:t>
+              <a:t>12/5/2024</a:t>
             </a:fld>
             <a:endParaRPr lang="en-US"/>
           </a:p>
@@ -35640,7 +35640,7 @@
             <a:fld id="{D86B3AB3-BDCC-41BF-8781-963E853753C3}" type="datetime1">
               <a:rPr lang="en-US" smtClean="0"/>
               <a:pPr/>
-              <a:t>12/2/2024</a:t>
+              <a:t>12/5/2024</a:t>
             </a:fld>
             <a:endParaRPr lang="en-US"/>
           </a:p>
@@ -36651,7 +36651,7 @@
             <a:fld id="{D86B3AB3-BDCC-41BF-8781-963E853753C3}" type="datetime1">
               <a:rPr lang="en-US" smtClean="0"/>
               <a:pPr/>
-              <a:t>12/2/2024</a:t>
+              <a:t>12/5/2024</a:t>
             </a:fld>
             <a:endParaRPr lang="en-US"/>
           </a:p>
@@ -37695,7 +37695,7 @@
             <a:fld id="{D86B3AB3-BDCC-41BF-8781-963E853753C3}" type="datetime1">
               <a:rPr lang="en-US" smtClean="0"/>
               <a:pPr/>
-              <a:t>12/2/2024</a:t>
+              <a:t>12/5/2024</a:t>
             </a:fld>
             <a:endParaRPr lang="en-US"/>
           </a:p>
@@ -38833,7 +38833,7 @@
             <a:fld id="{D86B3AB3-BDCC-41BF-8781-963E853753C3}" type="datetime1">
               <a:rPr lang="en-US" smtClean="0"/>
               <a:pPr/>
-              <a:t>12/2/2024</a:t>
+              <a:t>12/5/2024</a:t>
             </a:fld>
             <a:endParaRPr lang="en-US"/>
           </a:p>
@@ -39224,7 +39224,7 @@
             <a:fld id="{00D1CE85-AA59-46D7-98F4-301D80B40614}" type="datetimeFigureOut">
               <a:rPr lang="en-US" smtClean="0"/>
               <a:pPr/>
-              <a:t>12/2/2024</a:t>
+              <a:t>12/5/2024</a:t>
             </a:fld>
             <a:endParaRPr lang="en-US"/>
           </a:p>
@@ -40558,89 +40558,6 @@
             <p:ph type="title"/>
           </p:nvPr>
         </p:nvSpPr>
-        <p:spPr>
-          <a:xfrm>
-            <a:off x="838200" y="2766218"/>
-            <a:ext cx="10515600" cy="1325563"/>
-          </a:xfrm>
-        </p:spPr>
-        <p:txBody>
-          <a:bodyPr>
-            <a:noAutofit/>
-          </a:bodyPr>
-          <a:lstStyle/>
-          <a:p>
-            <a:pPr algn="ctr"/>
-            <a:r>
-              <a:rPr lang="en-US" sz="15000">
-                <a:solidFill>
-                  <a:schemeClr val="tx1">
-                    <a:lumMod val="95000"/>
-                    <a:lumOff val="5000"/>
-                  </a:schemeClr>
-                </a:solidFill>
-                <a:effectLst>
-                  <a:outerShdw blurRad="38100" dist="38100" dir="2700000" algn="tl">
-                    <a:srgbClr val="000000">
-                      <a:alpha val="43137"/>
-                    </a:srgbClr>
-                  </a:outerShdw>
-                </a:effectLst>
-                <a:latin typeface="Source Sans Pro Black" panose="020B0803030403020204" pitchFamily="34" charset="0"/>
-                <a:ea typeface="Source Sans Pro Black" panose="020B0803030403020204" pitchFamily="34" charset="0"/>
-                <a:cs typeface="Times New Roman" panose="02020603050405020304" pitchFamily="18" charset="0"/>
-              </a:rPr>
-              <a:t>DEMO</a:t>
-            </a:r>
-          </a:p>
-        </p:txBody>
-      </p:sp>
-    </p:spTree>
-    <p:extLst>
-      <p:ext uri="{BB962C8B-B14F-4D97-AF65-F5344CB8AC3E}">
-        <p14:creationId xmlns:p14="http://schemas.microsoft.com/office/powerpoint/2010/main" val="2630752380"/>
-      </p:ext>
-    </p:extLst>
-  </p:cSld>
-  <p:clrMapOvr>
-    <a:masterClrMapping/>
-  </p:clrMapOvr>
-</p:sld>
-</file>
-
-<file path=ppt/slides/slide15.xml><?xml version="1.0" encoding="utf-8"?>
-<p:sld xmlns:a="http://schemas.openxmlformats.org/drawingml/2006/main" xmlns:r="http://schemas.openxmlformats.org/officeDocument/2006/relationships" xmlns:p="http://schemas.openxmlformats.org/presentationml/2006/main">
-  <p:cSld>
-    <p:spTree>
-      <p:nvGrpSpPr>
-        <p:cNvPr id="1" name=""/>
-        <p:cNvGrpSpPr/>
-        <p:nvPr/>
-      </p:nvGrpSpPr>
-      <p:grpSpPr>
-        <a:xfrm>
-          <a:off x="0" y="0"/>
-          <a:ext cx="0" cy="0"/>
-          <a:chOff x="0" y="0"/>
-          <a:chExt cx="0" cy="0"/>
-        </a:xfrm>
-      </p:grpSpPr>
-      <p:sp>
-        <p:nvSpPr>
-          <p:cNvPr id="2" name="Title 1">
-            <a:extLst>
-              <a:ext uri="{FF2B5EF4-FFF2-40B4-BE49-F238E27FC236}">
-                <a16:creationId xmlns:a16="http://schemas.microsoft.com/office/drawing/2014/main" id="{14E1C98C-59A6-490B-83BD-EE1E10A5BA9A}"/>
-              </a:ext>
-            </a:extLst>
-          </p:cNvPr>
-          <p:cNvSpPr>
-            <a:spLocks noGrp="1"/>
-          </p:cNvSpPr>
-          <p:nvPr>
-            <p:ph type="title"/>
-          </p:nvPr>
-        </p:nvSpPr>
         <p:spPr/>
         <p:txBody>
           <a:bodyPr/>
@@ -40947,6 +40864,89 @@
     <p:extLst>
       <p:ext uri="{BB962C8B-B14F-4D97-AF65-F5344CB8AC3E}">
         <p14:creationId xmlns:p14="http://schemas.microsoft.com/office/powerpoint/2010/main" val="1206943239"/>
+      </p:ext>
+    </p:extLst>
+  </p:cSld>
+  <p:clrMapOvr>
+    <a:masterClrMapping/>
+  </p:clrMapOvr>
+</p:sld>
+</file>
+
+<file path=ppt/slides/slide15.xml><?xml version="1.0" encoding="utf-8"?>
+<p:sld xmlns:a="http://schemas.openxmlformats.org/drawingml/2006/main" xmlns:r="http://schemas.openxmlformats.org/officeDocument/2006/relationships" xmlns:p="http://schemas.openxmlformats.org/presentationml/2006/main">
+  <p:cSld>
+    <p:spTree>
+      <p:nvGrpSpPr>
+        <p:cNvPr id="1" name=""/>
+        <p:cNvGrpSpPr/>
+        <p:nvPr/>
+      </p:nvGrpSpPr>
+      <p:grpSpPr>
+        <a:xfrm>
+          <a:off x="0" y="0"/>
+          <a:ext cx="0" cy="0"/>
+          <a:chOff x="0" y="0"/>
+          <a:chExt cx="0" cy="0"/>
+        </a:xfrm>
+      </p:grpSpPr>
+      <p:sp>
+        <p:nvSpPr>
+          <p:cNvPr id="2" name="Title 1">
+            <a:extLst>
+              <a:ext uri="{FF2B5EF4-FFF2-40B4-BE49-F238E27FC236}">
+                <a16:creationId xmlns:a16="http://schemas.microsoft.com/office/drawing/2014/main" id="{14E1C98C-59A6-490B-83BD-EE1E10A5BA9A}"/>
+              </a:ext>
+            </a:extLst>
+          </p:cNvPr>
+          <p:cNvSpPr>
+            <a:spLocks noGrp="1"/>
+          </p:cNvSpPr>
+          <p:nvPr>
+            <p:ph type="title"/>
+          </p:nvPr>
+        </p:nvSpPr>
+        <p:spPr>
+          <a:xfrm>
+            <a:off x="838200" y="2766218"/>
+            <a:ext cx="10515600" cy="1325563"/>
+          </a:xfrm>
+        </p:spPr>
+        <p:txBody>
+          <a:bodyPr>
+            <a:noAutofit/>
+          </a:bodyPr>
+          <a:lstStyle/>
+          <a:p>
+            <a:pPr algn="ctr"/>
+            <a:r>
+              <a:rPr lang="en-US" sz="15000">
+                <a:solidFill>
+                  <a:schemeClr val="tx1">
+                    <a:lumMod val="95000"/>
+                    <a:lumOff val="5000"/>
+                  </a:schemeClr>
+                </a:solidFill>
+                <a:effectLst>
+                  <a:outerShdw blurRad="38100" dist="38100" dir="2700000" algn="tl">
+                    <a:srgbClr val="000000">
+                      <a:alpha val="43137"/>
+                    </a:srgbClr>
+                  </a:outerShdw>
+                </a:effectLst>
+                <a:latin typeface="Source Sans Pro Black" panose="020B0803030403020204" pitchFamily="34" charset="0"/>
+                <a:ea typeface="Source Sans Pro Black" panose="020B0803030403020204" pitchFamily="34" charset="0"/>
+                <a:cs typeface="Times New Roman" panose="02020603050405020304" pitchFamily="18" charset="0"/>
+              </a:rPr>
+              <a:t>DEMO</a:t>
+            </a:r>
+          </a:p>
+        </p:txBody>
+      </p:sp>
+    </p:spTree>
+    <p:extLst>
+      <p:ext uri="{BB962C8B-B14F-4D97-AF65-F5344CB8AC3E}">
+        <p14:creationId xmlns:p14="http://schemas.microsoft.com/office/powerpoint/2010/main" val="2630752380"/>
       </p:ext>
     </p:extLst>
   </p:cSld>
